--- a/week5/Lab 5 figures.pptx
+++ b/week5/Lab 5 figures.pptx
@@ -284,7 +284,7 @@
           <a:p>
             <a:fld id="{0C85307A-4FE0-4CA4-A349-2EEB6180C1A6}" type="datetimeFigureOut">
               <a:rPr lang="en-US" smtClean="0"/>
-              <a:t>1/25/2021</a:t>
+              <a:t>1/28/2021</a:t>
             </a:fld>
             <a:endParaRPr lang="en-US"/>
           </a:p>
@@ -482,7 +482,7 @@
           <a:p>
             <a:fld id="{0C85307A-4FE0-4CA4-A349-2EEB6180C1A6}" type="datetimeFigureOut">
               <a:rPr lang="en-US" smtClean="0"/>
-              <a:t>1/25/2021</a:t>
+              <a:t>1/28/2021</a:t>
             </a:fld>
             <a:endParaRPr lang="en-US"/>
           </a:p>
@@ -690,7 +690,7 @@
           <a:p>
             <a:fld id="{0C85307A-4FE0-4CA4-A349-2EEB6180C1A6}" type="datetimeFigureOut">
               <a:rPr lang="en-US" smtClean="0"/>
-              <a:t>1/25/2021</a:t>
+              <a:t>1/28/2021</a:t>
             </a:fld>
             <a:endParaRPr lang="en-US"/>
           </a:p>
@@ -888,7 +888,7 @@
           <a:p>
             <a:fld id="{0C85307A-4FE0-4CA4-A349-2EEB6180C1A6}" type="datetimeFigureOut">
               <a:rPr lang="en-US" smtClean="0"/>
-              <a:t>1/25/2021</a:t>
+              <a:t>1/28/2021</a:t>
             </a:fld>
             <a:endParaRPr lang="en-US"/>
           </a:p>
@@ -1163,7 +1163,7 @@
           <a:p>
             <a:fld id="{0C85307A-4FE0-4CA4-A349-2EEB6180C1A6}" type="datetimeFigureOut">
               <a:rPr lang="en-US" smtClean="0"/>
-              <a:t>1/25/2021</a:t>
+              <a:t>1/28/2021</a:t>
             </a:fld>
             <a:endParaRPr lang="en-US"/>
           </a:p>
@@ -1428,7 +1428,7 @@
           <a:p>
             <a:fld id="{0C85307A-4FE0-4CA4-A349-2EEB6180C1A6}" type="datetimeFigureOut">
               <a:rPr lang="en-US" smtClean="0"/>
-              <a:t>1/25/2021</a:t>
+              <a:t>1/28/2021</a:t>
             </a:fld>
             <a:endParaRPr lang="en-US"/>
           </a:p>
@@ -1840,7 +1840,7 @@
           <a:p>
             <a:fld id="{0C85307A-4FE0-4CA4-A349-2EEB6180C1A6}" type="datetimeFigureOut">
               <a:rPr lang="en-US" smtClean="0"/>
-              <a:t>1/25/2021</a:t>
+              <a:t>1/28/2021</a:t>
             </a:fld>
             <a:endParaRPr lang="en-US"/>
           </a:p>
@@ -1981,7 +1981,7 @@
           <a:p>
             <a:fld id="{0C85307A-4FE0-4CA4-A349-2EEB6180C1A6}" type="datetimeFigureOut">
               <a:rPr lang="en-US" smtClean="0"/>
-              <a:t>1/25/2021</a:t>
+              <a:t>1/28/2021</a:t>
             </a:fld>
             <a:endParaRPr lang="en-US"/>
           </a:p>
@@ -2094,7 +2094,7 @@
           <a:p>
             <a:fld id="{0C85307A-4FE0-4CA4-A349-2EEB6180C1A6}" type="datetimeFigureOut">
               <a:rPr lang="en-US" smtClean="0"/>
-              <a:t>1/25/2021</a:t>
+              <a:t>1/28/2021</a:t>
             </a:fld>
             <a:endParaRPr lang="en-US"/>
           </a:p>
@@ -2405,7 +2405,7 @@
           <a:p>
             <a:fld id="{0C85307A-4FE0-4CA4-A349-2EEB6180C1A6}" type="datetimeFigureOut">
               <a:rPr lang="en-US" smtClean="0"/>
-              <a:t>1/25/2021</a:t>
+              <a:t>1/28/2021</a:t>
             </a:fld>
             <a:endParaRPr lang="en-US"/>
           </a:p>
@@ -2693,7 +2693,7 @@
           <a:p>
             <a:fld id="{0C85307A-4FE0-4CA4-A349-2EEB6180C1A6}" type="datetimeFigureOut">
               <a:rPr lang="en-US" smtClean="0"/>
-              <a:t>1/25/2021</a:t>
+              <a:t>1/28/2021</a:t>
             </a:fld>
             <a:endParaRPr lang="en-US"/>
           </a:p>
@@ -2934,7 +2934,7 @@
           <a:p>
             <a:fld id="{0C85307A-4FE0-4CA4-A349-2EEB6180C1A6}" type="datetimeFigureOut">
               <a:rPr lang="en-US" smtClean="0"/>
-              <a:t>1/25/2021</a:t>
+              <a:t>1/28/2021</a:t>
             </a:fld>
             <a:endParaRPr lang="en-US"/>
           </a:p>
@@ -7060,7 +7060,7 @@
         </p:nvSpPr>
         <p:spPr>
           <a:xfrm>
-            <a:off x="3859043" y="649160"/>
+            <a:off x="7992893" y="1832430"/>
             <a:ext cx="3902414" cy="1200329"/>
           </a:xfrm>
           <a:prstGeom prst="rect">
@@ -9608,58 +9608,6 @@
       </p:sp>
       <p:sp>
         <p:nvSpPr>
-          <p:cNvPr id="21" name="Rectangle 20">
-            <a:extLst>
-              <a:ext uri="{FF2B5EF4-FFF2-40B4-BE49-F238E27FC236}">
-                <a16:creationId xmlns:a16="http://schemas.microsoft.com/office/drawing/2014/main" id="{9BA69718-1B7A-4F01-9B05-3A7F520592C5}"/>
-              </a:ext>
-            </a:extLst>
-          </p:cNvPr>
-          <p:cNvSpPr/>
-          <p:nvPr/>
-        </p:nvSpPr>
-        <p:spPr>
-          <a:xfrm>
-            <a:off x="5575300" y="2875418"/>
-            <a:ext cx="5235912" cy="368652"/>
-          </a:xfrm>
-          <a:prstGeom prst="rect">
-            <a:avLst/>
-          </a:prstGeom>
-          <a:noFill/>
-          <a:ln w="38100">
-            <a:solidFill>
-              <a:srgbClr val="FF0000"/>
-            </a:solidFill>
-          </a:ln>
-        </p:spPr>
-        <p:style>
-          <a:lnRef idx="2">
-            <a:schemeClr val="accent1">
-              <a:shade val="50000"/>
-            </a:schemeClr>
-          </a:lnRef>
-          <a:fillRef idx="1">
-            <a:schemeClr val="accent1"/>
-          </a:fillRef>
-          <a:effectRef idx="0">
-            <a:schemeClr val="accent1"/>
-          </a:effectRef>
-          <a:fontRef idx="minor">
-            <a:schemeClr val="lt1"/>
-          </a:fontRef>
-        </p:style>
-        <p:txBody>
-          <a:bodyPr rtlCol="0" anchor="ctr"/>
-          <a:lstStyle/>
-          <a:p>
-            <a:pPr algn="ctr"/>
-            <a:endParaRPr lang="en-US"/>
-          </a:p>
-        </p:txBody>
-      </p:sp>
-      <p:sp>
-        <p:nvSpPr>
           <p:cNvPr id="22" name="TextBox 21">
             <a:extLst>
               <a:ext uri="{FF2B5EF4-FFF2-40B4-BE49-F238E27FC236}">
@@ -9716,9 +9664,7 @@
           <a:noFill/>
           <a:ln w="38100">
             <a:solidFill>
-              <a:schemeClr val="accent1">
-                <a:lumMod val="50000"/>
-              </a:schemeClr>
+              <a:srgbClr val="FF00FF"/>
             </a:solidFill>
           </a:ln>
         </p:spPr>
@@ -9761,8 +9707,8 @@
         </p:nvSpPr>
         <p:spPr>
           <a:xfrm>
-            <a:off x="5575300" y="3256769"/>
-            <a:ext cx="5235912" cy="1835013"/>
+            <a:off x="5575300" y="3295787"/>
+            <a:ext cx="5235912" cy="1795995"/>
           </a:xfrm>
           <a:prstGeom prst="rect">
             <a:avLst/>
@@ -9770,9 +9716,7 @@
           <a:noFill/>
           <a:ln w="38100">
             <a:solidFill>
-              <a:schemeClr val="accent1">
-                <a:lumMod val="50000"/>
-              </a:schemeClr>
+              <a:srgbClr val="FF00FF"/>
             </a:solidFill>
           </a:ln>
         </p:spPr>
@@ -9870,7 +9814,63 @@
             </a:pathLst>
           </a:custGeom>
           <a:noFill/>
-          <a:ln w="38100"/>
+          <a:ln w="38100">
+            <a:solidFill>
+              <a:srgbClr val="FF00FF"/>
+            </a:solidFill>
+          </a:ln>
+        </p:spPr>
+        <p:style>
+          <a:lnRef idx="2">
+            <a:schemeClr val="accent1">
+              <a:shade val="50000"/>
+            </a:schemeClr>
+          </a:lnRef>
+          <a:fillRef idx="1">
+            <a:schemeClr val="accent1"/>
+          </a:fillRef>
+          <a:effectRef idx="0">
+            <a:schemeClr val="accent1"/>
+          </a:effectRef>
+          <a:fontRef idx="minor">
+            <a:schemeClr val="lt1"/>
+          </a:fontRef>
+        </p:style>
+        <p:txBody>
+          <a:bodyPr rtlCol="0" anchor="ctr"/>
+          <a:lstStyle/>
+          <a:p>
+            <a:pPr algn="ctr"/>
+            <a:endParaRPr lang="en-US"/>
+          </a:p>
+        </p:txBody>
+      </p:sp>
+      <p:sp>
+        <p:nvSpPr>
+          <p:cNvPr id="21" name="Rectangle 20">
+            <a:extLst>
+              <a:ext uri="{FF2B5EF4-FFF2-40B4-BE49-F238E27FC236}">
+                <a16:creationId xmlns:a16="http://schemas.microsoft.com/office/drawing/2014/main" id="{9BA69718-1B7A-4F01-9B05-3A7F520592C5}"/>
+              </a:ext>
+            </a:extLst>
+          </p:cNvPr>
+          <p:cNvSpPr/>
+          <p:nvPr/>
+        </p:nvSpPr>
+        <p:spPr>
+          <a:xfrm>
+            <a:off x="5575300" y="2875418"/>
+            <a:ext cx="5235912" cy="368652"/>
+          </a:xfrm>
+          <a:prstGeom prst="rect">
+            <a:avLst/>
+          </a:prstGeom>
+          <a:noFill/>
+          <a:ln w="38100">
+            <a:solidFill>
+              <a:srgbClr val="FF0000"/>
+            </a:solidFill>
+          </a:ln>
         </p:spPr>
         <p:style>
           <a:lnRef idx="2">
@@ -10423,14 +10423,14 @@
           <p:nvPr>
             <p:extLst>
               <p:ext uri="{D42A27DB-BD31-4B8C-83A1-F6EECF244321}">
-                <p14:modId xmlns:p14="http://schemas.microsoft.com/office/powerpoint/2010/main" val="1208809336"/>
+                <p14:modId xmlns:p14="http://schemas.microsoft.com/office/powerpoint/2010/main" val="1441087049"/>
               </p:ext>
             </p:extLst>
           </p:nvPr>
         </p:nvGraphicFramePr>
         <p:xfrm>
-          <a:off x="453684" y="3231584"/>
-          <a:ext cx="5950628" cy="2219960"/>
+          <a:off x="453684" y="3231583"/>
+          <a:ext cx="5950628" cy="2340542"/>
         </p:xfrm>
         <a:graphic>
           <a:graphicData uri="http://schemas.openxmlformats.org/drawingml/2006/table">
@@ -10475,7 +10475,7 @@
                   </a:extLst>
                 </a:gridCol>
               </a:tblGrid>
-              <a:tr h="356411">
+              <a:tr h="385627">
                 <a:tc>
                   <a:txBody>
                     <a:bodyPr/>
@@ -10597,7 +10597,7 @@
                   </a:ext>
                 </a:extLst>
               </a:tr>
-              <a:tr h="370840">
+              <a:tr h="390983">
                 <a:tc>
                   <a:txBody>
                     <a:bodyPr/>
@@ -10707,7 +10707,7 @@
                   </a:ext>
                 </a:extLst>
               </a:tr>
-              <a:tr h="370840">
+              <a:tr h="390983">
                 <a:tc>
                   <a:txBody>
                     <a:bodyPr/>
@@ -10817,7 +10817,7 @@
                   </a:ext>
                 </a:extLst>
               </a:tr>
-              <a:tr h="370840">
+              <a:tr h="390983">
                 <a:tc>
                   <a:txBody>
                     <a:bodyPr/>
@@ -10927,7 +10927,7 @@
                   </a:ext>
                 </a:extLst>
               </a:tr>
-              <a:tr h="370840">
+              <a:tr h="390983">
                 <a:tc>
                   <a:txBody>
                     <a:bodyPr/>
@@ -11037,7 +11037,7 @@
                   </a:ext>
                 </a:extLst>
               </a:tr>
-              <a:tr h="370840">
+              <a:tr h="390983">
                 <a:tc>
                   <a:txBody>
                     <a:bodyPr/>
@@ -11222,58 +11222,6 @@
           <a:xfrm>
             <a:off x="9258302" y="3661196"/>
             <a:ext cx="330200" cy="1790348"/>
-          </a:xfrm>
-          <a:prstGeom prst="rect">
-            <a:avLst/>
-          </a:prstGeom>
-          <a:noFill/>
-          <a:ln w="38100">
-            <a:solidFill>
-              <a:srgbClr val="FF0000"/>
-            </a:solidFill>
-          </a:ln>
-        </p:spPr>
-        <p:style>
-          <a:lnRef idx="2">
-            <a:schemeClr val="accent1">
-              <a:shade val="50000"/>
-            </a:schemeClr>
-          </a:lnRef>
-          <a:fillRef idx="1">
-            <a:schemeClr val="accent1"/>
-          </a:fillRef>
-          <a:effectRef idx="0">
-            <a:schemeClr val="accent1"/>
-          </a:effectRef>
-          <a:fontRef idx="minor">
-            <a:schemeClr val="lt1"/>
-          </a:fontRef>
-        </p:style>
-        <p:txBody>
-          <a:bodyPr rtlCol="0" anchor="ctr"/>
-          <a:lstStyle/>
-          <a:p>
-            <a:pPr algn="ctr"/>
-            <a:endParaRPr lang="en-US"/>
-          </a:p>
-        </p:txBody>
-      </p:sp>
-      <p:sp>
-        <p:nvSpPr>
-          <p:cNvPr id="21" name="Rectangle 20">
-            <a:extLst>
-              <a:ext uri="{FF2B5EF4-FFF2-40B4-BE49-F238E27FC236}">
-                <a16:creationId xmlns:a16="http://schemas.microsoft.com/office/drawing/2014/main" id="{9BA69718-1B7A-4F01-9B05-3A7F520592C5}"/>
-              </a:ext>
-            </a:extLst>
-          </p:cNvPr>
-          <p:cNvSpPr/>
-          <p:nvPr/>
-        </p:nvSpPr>
-        <p:spPr>
-          <a:xfrm>
-            <a:off x="1168400" y="3243718"/>
-            <a:ext cx="5235912" cy="368652"/>
           </a:xfrm>
           <a:prstGeom prst="rect">
             <a:avLst/>
@@ -11468,9 +11416,7 @@
           <a:noFill/>
           <a:ln w="38100">
             <a:solidFill>
-              <a:schemeClr val="accent1">
-                <a:lumMod val="50000"/>
-              </a:schemeClr>
+              <a:srgbClr val="FF00FF"/>
             </a:solidFill>
           </a:ln>
         </p:spPr>
@@ -11513,8 +11459,8 @@
         </p:nvSpPr>
         <p:spPr>
           <a:xfrm>
-            <a:off x="1168400" y="3612370"/>
-            <a:ext cx="5235912" cy="1835013"/>
+            <a:off x="1168400" y="3624504"/>
+            <a:ext cx="5235912" cy="1921892"/>
           </a:xfrm>
           <a:prstGeom prst="rect">
             <a:avLst/>
@@ -11522,9 +11468,7 @@
           <a:noFill/>
           <a:ln w="38100">
             <a:solidFill>
-              <a:schemeClr val="accent1">
-                <a:lumMod val="50000"/>
-              </a:schemeClr>
+              <a:srgbClr val="FF00FF"/>
             </a:solidFill>
           </a:ln>
         </p:spPr>
@@ -11567,8 +11511,8 @@
         </p:nvSpPr>
         <p:spPr>
           <a:xfrm>
-            <a:off x="4128583" y="5447383"/>
-            <a:ext cx="6534824" cy="1035765"/>
+            <a:off x="4133849" y="5420843"/>
+            <a:ext cx="6529557" cy="1062306"/>
           </a:xfrm>
           <a:custGeom>
             <a:avLst/>
@@ -11622,7 +11566,63 @@
             </a:pathLst>
           </a:custGeom>
           <a:noFill/>
-          <a:ln w="38100"/>
+          <a:ln w="38100">
+            <a:solidFill>
+              <a:srgbClr val="FF00FF"/>
+            </a:solidFill>
+          </a:ln>
+        </p:spPr>
+        <p:style>
+          <a:lnRef idx="2">
+            <a:schemeClr val="accent1">
+              <a:shade val="50000"/>
+            </a:schemeClr>
+          </a:lnRef>
+          <a:fillRef idx="1">
+            <a:schemeClr val="accent1"/>
+          </a:fillRef>
+          <a:effectRef idx="0">
+            <a:schemeClr val="accent1"/>
+          </a:effectRef>
+          <a:fontRef idx="minor">
+            <a:schemeClr val="lt1"/>
+          </a:fontRef>
+        </p:style>
+        <p:txBody>
+          <a:bodyPr rtlCol="0" anchor="ctr"/>
+          <a:lstStyle/>
+          <a:p>
+            <a:pPr algn="ctr"/>
+            <a:endParaRPr lang="en-US"/>
+          </a:p>
+        </p:txBody>
+      </p:sp>
+      <p:sp>
+        <p:nvSpPr>
+          <p:cNvPr id="21" name="Rectangle 20">
+            <a:extLst>
+              <a:ext uri="{FF2B5EF4-FFF2-40B4-BE49-F238E27FC236}">
+                <a16:creationId xmlns:a16="http://schemas.microsoft.com/office/drawing/2014/main" id="{9BA69718-1B7A-4F01-9B05-3A7F520592C5}"/>
+              </a:ext>
+            </a:extLst>
+          </p:cNvPr>
+          <p:cNvSpPr/>
+          <p:nvPr/>
+        </p:nvSpPr>
+        <p:spPr>
+          <a:xfrm>
+            <a:off x="1168400" y="3243718"/>
+            <a:ext cx="5235912" cy="327999"/>
+          </a:xfrm>
+          <a:prstGeom prst="rect">
+            <a:avLst/>
+          </a:prstGeom>
+          <a:noFill/>
+          <a:ln w="38100">
+            <a:solidFill>
+              <a:srgbClr val="FF0000"/>
+            </a:solidFill>
+          </a:ln>
         </p:spPr>
         <p:style>
           <a:lnRef idx="2">
